--- a/docker/7.Docker核心技术之数据卷.pptx
+++ b/docker/7.Docker核心技术之数据卷.pptx
@@ -258,7 +258,7 @@
           <a:p>
             <a:fld id="{5DA6FDCD-927C-384A-AB64-1BEDB5D14A5D}" type="datetimeFigureOut">
               <a:rPr kumimoji="1" lang="zh-CN" altLang="en-US" smtClean="0"/>
-              <a:t>2018/5/27</a:t>
+              <a:t>2019/3/22</a:t>
             </a:fld>
             <a:endParaRPr kumimoji="1" lang="zh-CN" altLang="en-US"/>
           </a:p>
@@ -428,7 +428,7 @@
           <a:p>
             <a:fld id="{5DA6FDCD-927C-384A-AB64-1BEDB5D14A5D}" type="datetimeFigureOut">
               <a:rPr kumimoji="1" lang="zh-CN" altLang="en-US" smtClean="0"/>
-              <a:t>2018/5/27</a:t>
+              <a:t>2019/3/22</a:t>
             </a:fld>
             <a:endParaRPr kumimoji="1" lang="zh-CN" altLang="en-US"/>
           </a:p>
@@ -608,7 +608,7 @@
           <a:p>
             <a:fld id="{5DA6FDCD-927C-384A-AB64-1BEDB5D14A5D}" type="datetimeFigureOut">
               <a:rPr kumimoji="1" lang="zh-CN" altLang="en-US" smtClean="0"/>
-              <a:t>2018/5/27</a:t>
+              <a:t>2019/3/22</a:t>
             </a:fld>
             <a:endParaRPr kumimoji="1" lang="zh-CN" altLang="en-US"/>
           </a:p>
@@ -778,7 +778,7 @@
           <a:p>
             <a:fld id="{5DA6FDCD-927C-384A-AB64-1BEDB5D14A5D}" type="datetimeFigureOut">
               <a:rPr kumimoji="1" lang="zh-CN" altLang="en-US" smtClean="0"/>
-              <a:t>2018/5/27</a:t>
+              <a:t>2019/3/22</a:t>
             </a:fld>
             <a:endParaRPr kumimoji="1" lang="zh-CN" altLang="en-US"/>
           </a:p>
@@ -1024,7 +1024,7 @@
           <a:p>
             <a:fld id="{5DA6FDCD-927C-384A-AB64-1BEDB5D14A5D}" type="datetimeFigureOut">
               <a:rPr kumimoji="1" lang="zh-CN" altLang="en-US" smtClean="0"/>
-              <a:t>2018/5/27</a:t>
+              <a:t>2019/3/22</a:t>
             </a:fld>
             <a:endParaRPr kumimoji="1" lang="zh-CN" altLang="en-US"/>
           </a:p>
@@ -1256,7 +1256,7 @@
           <a:p>
             <a:fld id="{5DA6FDCD-927C-384A-AB64-1BEDB5D14A5D}" type="datetimeFigureOut">
               <a:rPr kumimoji="1" lang="zh-CN" altLang="en-US" smtClean="0"/>
-              <a:t>2018/5/27</a:t>
+              <a:t>2019/3/22</a:t>
             </a:fld>
             <a:endParaRPr kumimoji="1" lang="zh-CN" altLang="en-US"/>
           </a:p>
@@ -1623,7 +1623,7 @@
           <a:p>
             <a:fld id="{5DA6FDCD-927C-384A-AB64-1BEDB5D14A5D}" type="datetimeFigureOut">
               <a:rPr kumimoji="1" lang="zh-CN" altLang="en-US" smtClean="0"/>
-              <a:t>2018/5/27</a:t>
+              <a:t>2019/3/22</a:t>
             </a:fld>
             <a:endParaRPr kumimoji="1" lang="zh-CN" altLang="en-US"/>
           </a:p>
@@ -1741,7 +1741,7 @@
           <a:p>
             <a:fld id="{5DA6FDCD-927C-384A-AB64-1BEDB5D14A5D}" type="datetimeFigureOut">
               <a:rPr kumimoji="1" lang="zh-CN" altLang="en-US" smtClean="0"/>
-              <a:t>2018/5/27</a:t>
+              <a:t>2019/3/22</a:t>
             </a:fld>
             <a:endParaRPr kumimoji="1" lang="zh-CN" altLang="en-US"/>
           </a:p>
@@ -1836,7 +1836,7 @@
           <a:p>
             <a:fld id="{5DA6FDCD-927C-384A-AB64-1BEDB5D14A5D}" type="datetimeFigureOut">
               <a:rPr kumimoji="1" lang="zh-CN" altLang="en-US" smtClean="0"/>
-              <a:t>2018/5/27</a:t>
+              <a:t>2019/3/22</a:t>
             </a:fld>
             <a:endParaRPr kumimoji="1" lang="zh-CN" altLang="en-US"/>
           </a:p>
@@ -2113,7 +2113,7 @@
           <a:p>
             <a:fld id="{5DA6FDCD-927C-384A-AB64-1BEDB5D14A5D}" type="datetimeFigureOut">
               <a:rPr kumimoji="1" lang="zh-CN" altLang="en-US" smtClean="0"/>
-              <a:t>2018/5/27</a:t>
+              <a:t>2019/3/22</a:t>
             </a:fld>
             <a:endParaRPr kumimoji="1" lang="zh-CN" altLang="en-US"/>
           </a:p>
@@ -2370,7 +2370,7 @@
           <a:p>
             <a:fld id="{5DA6FDCD-927C-384A-AB64-1BEDB5D14A5D}" type="datetimeFigureOut">
               <a:rPr kumimoji="1" lang="zh-CN" altLang="en-US" smtClean="0"/>
-              <a:t>2018/5/27</a:t>
+              <a:t>2019/3/22</a:t>
             </a:fld>
             <a:endParaRPr kumimoji="1" lang="zh-CN" altLang="en-US"/>
           </a:p>
@@ -2592,7 +2592,7 @@
           <a:p>
             <a:fld id="{5DA6FDCD-927C-384A-AB64-1BEDB5D14A5D}" type="datetimeFigureOut">
               <a:rPr kumimoji="1" lang="zh-CN" altLang="en-US" smtClean="0"/>
-              <a:t>2018/5/27</a:t>
+              <a:t>2019/3/22</a:t>
             </a:fld>
             <a:endParaRPr kumimoji="1" lang="zh-CN" altLang="en-US"/>
           </a:p>
